--- a/FinalDeliverables/CSCD350_ProCrastinators_Presentation.pptx
+++ b/FinalDeliverables/CSCD350_ProCrastinators_Presentation.pptx
@@ -295,7 +295,8 @@
           <a:p>
             <a:fld id="{55043715-DBED-4923-B813-FAF5E112DA79}" type="datetimeFigureOut">
               <a:rPr lang="en-US" smtClean="0"/>
-              <a:t>6/11/2014</a:t>
+              <a:pPr/>
+              <a:t>6/12/2014</a:t>
             </a:fld>
             <a:endParaRPr lang="en-US"/>
           </a:p>
@@ -337,6 +338,7 @@
           <a:p>
             <a:fld id="{A768CC74-E73D-4B15-96E6-67355888F249}" type="slidenum">
               <a:rPr lang="en-US" smtClean="0"/>
+              <a:pPr/>
               <a:t>‹#›</a:t>
             </a:fld>
             <a:endParaRPr lang="en-US"/>
@@ -460,7 +462,8 @@
           <a:p>
             <a:fld id="{55043715-DBED-4923-B813-FAF5E112DA79}" type="datetimeFigureOut">
               <a:rPr lang="en-US" smtClean="0"/>
-              <a:t>6/11/2014</a:t>
+              <a:pPr/>
+              <a:t>6/12/2014</a:t>
             </a:fld>
             <a:endParaRPr lang="en-US"/>
           </a:p>
@@ -502,6 +505,7 @@
           <a:p>
             <a:fld id="{A768CC74-E73D-4B15-96E6-67355888F249}" type="slidenum">
               <a:rPr lang="en-US" smtClean="0"/>
+              <a:pPr/>
               <a:t>‹#›</a:t>
             </a:fld>
             <a:endParaRPr lang="en-US"/>
@@ -635,7 +639,8 @@
           <a:p>
             <a:fld id="{55043715-DBED-4923-B813-FAF5E112DA79}" type="datetimeFigureOut">
               <a:rPr lang="en-US" smtClean="0"/>
-              <a:t>6/11/2014</a:t>
+              <a:pPr/>
+              <a:t>6/12/2014</a:t>
             </a:fld>
             <a:endParaRPr lang="en-US"/>
           </a:p>
@@ -677,6 +682,7 @@
           <a:p>
             <a:fld id="{A768CC74-E73D-4B15-96E6-67355888F249}" type="slidenum">
               <a:rPr lang="en-US" smtClean="0"/>
+              <a:pPr/>
               <a:t>‹#›</a:t>
             </a:fld>
             <a:endParaRPr lang="en-US"/>
@@ -800,7 +806,8 @@
           <a:p>
             <a:fld id="{55043715-DBED-4923-B813-FAF5E112DA79}" type="datetimeFigureOut">
               <a:rPr lang="en-US" smtClean="0"/>
-              <a:t>6/11/2014</a:t>
+              <a:pPr/>
+              <a:t>6/12/2014</a:t>
             </a:fld>
             <a:endParaRPr lang="en-US"/>
           </a:p>
@@ -842,6 +849,7 @@
           <a:p>
             <a:fld id="{A768CC74-E73D-4B15-96E6-67355888F249}" type="slidenum">
               <a:rPr lang="en-US" smtClean="0"/>
+              <a:pPr/>
               <a:t>‹#›</a:t>
             </a:fld>
             <a:endParaRPr lang="en-US"/>
@@ -1041,7 +1049,8 @@
           <a:p>
             <a:fld id="{55043715-DBED-4923-B813-FAF5E112DA79}" type="datetimeFigureOut">
               <a:rPr lang="en-US" smtClean="0"/>
-              <a:t>6/11/2014</a:t>
+              <a:pPr/>
+              <a:t>6/12/2014</a:t>
             </a:fld>
             <a:endParaRPr lang="en-US"/>
           </a:p>
@@ -1083,6 +1092,7 @@
           <a:p>
             <a:fld id="{A768CC74-E73D-4B15-96E6-67355888F249}" type="slidenum">
               <a:rPr lang="en-US" smtClean="0"/>
+              <a:pPr/>
               <a:t>‹#›</a:t>
             </a:fld>
             <a:endParaRPr lang="en-US"/>
@@ -1324,7 +1334,8 @@
           <a:p>
             <a:fld id="{55043715-DBED-4923-B813-FAF5E112DA79}" type="datetimeFigureOut">
               <a:rPr lang="en-US" smtClean="0"/>
-              <a:t>6/11/2014</a:t>
+              <a:pPr/>
+              <a:t>6/12/2014</a:t>
             </a:fld>
             <a:endParaRPr lang="en-US"/>
           </a:p>
@@ -1366,6 +1377,7 @@
           <a:p>
             <a:fld id="{A768CC74-E73D-4B15-96E6-67355888F249}" type="slidenum">
               <a:rPr lang="en-US" smtClean="0"/>
+              <a:pPr/>
               <a:t>‹#›</a:t>
             </a:fld>
             <a:endParaRPr lang="en-US"/>
@@ -1741,7 +1753,8 @@
           <a:p>
             <a:fld id="{55043715-DBED-4923-B813-FAF5E112DA79}" type="datetimeFigureOut">
               <a:rPr lang="en-US" smtClean="0"/>
-              <a:t>6/11/2014</a:t>
+              <a:pPr/>
+              <a:t>6/12/2014</a:t>
             </a:fld>
             <a:endParaRPr lang="en-US"/>
           </a:p>
@@ -1783,6 +1796,7 @@
           <a:p>
             <a:fld id="{A768CC74-E73D-4B15-96E6-67355888F249}" type="slidenum">
               <a:rPr lang="en-US" smtClean="0"/>
+              <a:pPr/>
               <a:t>‹#›</a:t>
             </a:fld>
             <a:endParaRPr lang="en-US"/>
@@ -1854,7 +1868,8 @@
           <a:p>
             <a:fld id="{55043715-DBED-4923-B813-FAF5E112DA79}" type="datetimeFigureOut">
               <a:rPr lang="en-US" smtClean="0"/>
-              <a:t>6/11/2014</a:t>
+              <a:pPr/>
+              <a:t>6/12/2014</a:t>
             </a:fld>
             <a:endParaRPr lang="en-US"/>
           </a:p>
@@ -1896,6 +1911,7 @@
           <a:p>
             <a:fld id="{A768CC74-E73D-4B15-96E6-67355888F249}" type="slidenum">
               <a:rPr lang="en-US" smtClean="0"/>
+              <a:pPr/>
               <a:t>‹#›</a:t>
             </a:fld>
             <a:endParaRPr lang="en-US"/>
@@ -1944,7 +1960,8 @@
           <a:p>
             <a:fld id="{55043715-DBED-4923-B813-FAF5E112DA79}" type="datetimeFigureOut">
               <a:rPr lang="en-US" smtClean="0"/>
-              <a:t>6/11/2014</a:t>
+              <a:pPr/>
+              <a:t>6/12/2014</a:t>
             </a:fld>
             <a:endParaRPr lang="en-US"/>
           </a:p>
@@ -1986,6 +2003,7 @@
           <a:p>
             <a:fld id="{A768CC74-E73D-4B15-96E6-67355888F249}" type="slidenum">
               <a:rPr lang="en-US" smtClean="0"/>
+              <a:pPr/>
               <a:t>‹#›</a:t>
             </a:fld>
             <a:endParaRPr lang="en-US"/>
@@ -2216,7 +2234,8 @@
           <a:p>
             <a:fld id="{55043715-DBED-4923-B813-FAF5E112DA79}" type="datetimeFigureOut">
               <a:rPr lang="en-US" smtClean="0"/>
-              <a:t>6/11/2014</a:t>
+              <a:pPr/>
+              <a:t>6/12/2014</a:t>
             </a:fld>
             <a:endParaRPr lang="en-US"/>
           </a:p>
@@ -2258,6 +2277,7 @@
           <a:p>
             <a:fld id="{A768CC74-E73D-4B15-96E6-67355888F249}" type="slidenum">
               <a:rPr lang="en-US" smtClean="0"/>
+              <a:pPr/>
               <a:t>‹#›</a:t>
             </a:fld>
             <a:endParaRPr lang="en-US"/>
@@ -2464,7 +2484,8 @@
           <a:p>
             <a:fld id="{55043715-DBED-4923-B813-FAF5E112DA79}" type="datetimeFigureOut">
               <a:rPr lang="en-US" smtClean="0"/>
-              <a:t>6/11/2014</a:t>
+              <a:pPr/>
+              <a:t>6/12/2014</a:t>
             </a:fld>
             <a:endParaRPr lang="en-US"/>
           </a:p>
@@ -2506,6 +2527,7 @@
           <a:p>
             <a:fld id="{A768CC74-E73D-4B15-96E6-67355888F249}" type="slidenum">
               <a:rPr lang="en-US" smtClean="0"/>
+              <a:pPr/>
               <a:t>‹#›</a:t>
             </a:fld>
             <a:endParaRPr lang="en-US"/>
@@ -2524,9 +2546,18 @@
 <p:sldMaster xmlns:a="http://schemas.openxmlformats.org/drawingml/2006/main" xmlns:r="http://schemas.openxmlformats.org/officeDocument/2006/relationships" xmlns:p="http://schemas.openxmlformats.org/presentationml/2006/main">
   <p:cSld>
     <p:bg>
-      <p:bgRef idx="1001">
-        <a:schemeClr val="bg1"/>
-      </p:bgRef>
+      <p:bgPr>
+        <a:blipFill dpi="0" rotWithShape="1">
+          <a:blip r:embed="rId13" cstate="print">
+            <a:lum/>
+          </a:blip>
+          <a:srcRect/>
+          <a:stretch>
+            <a:fillRect l="-3000" r="-3000"/>
+          </a:stretch>
+        </a:blipFill>
+        <a:effectLst/>
+      </p:bgPr>
     </p:bg>
     <p:spTree>
       <p:nvGrpSpPr>
@@ -2672,7 +2703,8 @@
           <a:p>
             <a:fld id="{55043715-DBED-4923-B813-FAF5E112DA79}" type="datetimeFigureOut">
               <a:rPr lang="en-US" smtClean="0"/>
-              <a:t>6/11/2014</a:t>
+              <a:pPr/>
+              <a:t>6/12/2014</a:t>
             </a:fld>
             <a:endParaRPr lang="en-US"/>
           </a:p>
@@ -2750,6 +2782,7 @@
           <a:p>
             <a:fld id="{A768CC74-E73D-4B15-96E6-67355888F249}" type="slidenum">
               <a:rPr lang="en-US" smtClean="0"/>
+              <a:pPr/>
               <a:t>‹#›</a:t>
             </a:fld>
             <a:endParaRPr lang="en-US"/>
@@ -3059,8 +3092,8 @@
         </p:blipFill>
         <p:spPr bwMode="auto">
           <a:xfrm>
-            <a:off x="-228600" y="0"/>
-            <a:ext cx="9408886" cy="6872577"/>
+            <a:off x="0" y="0"/>
+            <a:ext cx="9180286" cy="6872577"/>
           </a:xfrm>
           <a:prstGeom prst="rect">
             <a:avLst/>
@@ -3076,7 +3109,7 @@
         </p:nvSpPr>
         <p:spPr>
           <a:xfrm>
-            <a:off x="0" y="4495800"/>
+            <a:off x="228600" y="4495800"/>
             <a:ext cx="2971800" cy="1927654"/>
           </a:xfrm>
           <a:prstGeom prst="roundRect">
@@ -3375,14 +3408,24 @@
         </p:nvSpPr>
         <p:spPr/>
         <p:txBody>
-          <a:bodyPr/>
-          <a:lstStyle/>
-          <a:p>
-            <a:r>
-              <a:rPr lang="en-US" dirty="0" smtClean="0"/>
+          <a:bodyPr>
+            <a:noAutofit/>
+          </a:bodyPr>
+          <a:lstStyle/>
+          <a:p>
+            <a:r>
+              <a:rPr lang="en-US" sz="7200" dirty="0" smtClean="0">
+                <a:solidFill>
+                  <a:schemeClr val="bg1"/>
+                </a:solidFill>
+              </a:rPr>
               <a:t>Our Tools</a:t>
             </a:r>
-            <a:endParaRPr lang="en-US" dirty="0"/>
+            <a:endParaRPr lang="en-US" sz="7200" dirty="0">
+              <a:solidFill>
+                <a:schemeClr val="bg1"/>
+              </a:solidFill>
+            </a:endParaRPr>
           </a:p>
         </p:txBody>
       </p:sp>
@@ -3396,53 +3439,116 @@
             <p:ph idx="1"/>
           </p:nvPr>
         </p:nvSpPr>
-        <p:spPr/>
-        <p:txBody>
-          <a:bodyPr/>
-          <a:lstStyle/>
-          <a:p>
-            <a:r>
-              <a:rPr lang="en-US" dirty="0" smtClean="0"/>
-              <a:t>Language : </a:t>
+        <p:spPr>
+          <a:xfrm>
+            <a:off x="457200" y="1600200"/>
+            <a:ext cx="8686800" cy="5257800"/>
+          </a:xfrm>
+        </p:spPr>
+        <p:txBody>
+          <a:bodyPr>
+            <a:normAutofit fontScale="92500" lnSpcReduction="20000"/>
+          </a:bodyPr>
+          <a:lstStyle/>
+          <a:p>
+            <a:r>
+              <a:rPr lang="en-US" sz="4000" dirty="0" smtClean="0">
+                <a:solidFill>
+                  <a:schemeClr val="bg1"/>
+                </a:solidFill>
+              </a:rPr>
+              <a:t>Languages: </a:t>
             </a:r>
           </a:p>
           <a:p>
             <a:pPr lvl="1"/>
             <a:r>
-              <a:rPr lang="en-US" dirty="0" smtClean="0"/>
+              <a:rPr lang="en-US" sz="4000" dirty="0" smtClean="0">
+                <a:solidFill>
+                  <a:schemeClr val="bg1"/>
+                </a:solidFill>
+              </a:rPr>
               <a:t>Java (for testing)</a:t>
             </a:r>
-            <a:endParaRPr lang="en-US" dirty="0"/>
+            <a:endParaRPr lang="en-US" sz="4000" dirty="0">
+              <a:solidFill>
+                <a:schemeClr val="bg1"/>
+              </a:solidFill>
+            </a:endParaRPr>
           </a:p>
           <a:p>
             <a:pPr lvl="1"/>
             <a:r>
-              <a:rPr lang="en-US" dirty="0" err="1" smtClean="0"/>
+              <a:rPr lang="en-US" sz="4000" dirty="0" err="1" smtClean="0">
+                <a:solidFill>
+                  <a:schemeClr val="bg1"/>
+                </a:solidFill>
+              </a:rPr>
               <a:t>ActionScript</a:t>
             </a:r>
             <a:r>
-              <a:rPr lang="en-US" dirty="0" smtClean="0"/>
+              <a:rPr lang="en-US" sz="4000" dirty="0" smtClean="0">
+                <a:solidFill>
+                  <a:schemeClr val="bg1"/>
+                </a:solidFill>
+              </a:rPr>
               <a:t> (for flash/ Final game)</a:t>
             </a:r>
           </a:p>
           <a:p>
             <a:r>
-              <a:rPr lang="en-US" dirty="0" smtClean="0"/>
+              <a:rPr lang="en-US" sz="4000" dirty="0" smtClean="0">
+                <a:solidFill>
+                  <a:schemeClr val="bg1"/>
+                </a:solidFill>
+              </a:rPr>
               <a:t>Flash Develop</a:t>
             </a:r>
           </a:p>
           <a:p>
             <a:r>
-              <a:rPr lang="en-US" dirty="0" smtClean="0"/>
+              <a:rPr lang="en-US" sz="4000" dirty="0" smtClean="0">
+                <a:solidFill>
+                  <a:schemeClr val="bg1"/>
+                </a:solidFill>
+              </a:rPr>
               <a:t>Adobe Flash Prof. CS6</a:t>
             </a:r>
           </a:p>
           <a:p>
             <a:r>
-              <a:rPr lang="en-US" dirty="0" err="1" smtClean="0"/>
+              <a:rPr lang="en-US" sz="4000" dirty="0" err="1" smtClean="0">
+                <a:solidFill>
+                  <a:schemeClr val="bg1"/>
+                </a:solidFill>
+              </a:rPr>
               <a:t>SQLite</a:t>
             </a:r>
-            <a:endParaRPr lang="en-US" dirty="0" smtClean="0"/>
+            <a:endParaRPr lang="en-US" sz="4000" dirty="0" smtClean="0">
+              <a:solidFill>
+                <a:schemeClr val="bg1"/>
+              </a:solidFill>
+            </a:endParaRPr>
+          </a:p>
+          <a:p>
+            <a:r>
+              <a:rPr lang="en-US" sz="4000" dirty="0" smtClean="0">
+                <a:solidFill>
+                  <a:schemeClr val="bg1"/>
+                </a:solidFill>
+              </a:rPr>
+              <a:t>Microsoft Excel</a:t>
+            </a:r>
+          </a:p>
+          <a:p>
+            <a:r>
+              <a:rPr lang="en-US" sz="4000" dirty="0" smtClean="0">
+                <a:solidFill>
+                  <a:schemeClr val="bg1"/>
+                </a:solidFill>
+              </a:rPr>
+              <a:t>http://www.convertcsv.com/csv-to-sql.htm</a:t>
+            </a:r>
           </a:p>
         </p:txBody>
       </p:sp>
@@ -3490,14 +3596,24 @@
         </p:nvSpPr>
         <p:spPr/>
         <p:txBody>
-          <a:bodyPr/>
-          <a:lstStyle/>
-          <a:p>
-            <a:r>
-              <a:rPr lang="en-US" dirty="0" smtClean="0"/>
+          <a:bodyPr>
+            <a:noAutofit/>
+          </a:bodyPr>
+          <a:lstStyle/>
+          <a:p>
+            <a:r>
+              <a:rPr lang="en-US" sz="7200" dirty="0" smtClean="0">
+                <a:solidFill>
+                  <a:schemeClr val="bg1"/>
+                </a:solidFill>
+              </a:rPr>
               <a:t>Our Features</a:t>
             </a:r>
-            <a:endParaRPr lang="en-US" dirty="0"/>
+            <a:endParaRPr lang="en-US" sz="7200" dirty="0">
+              <a:solidFill>
+                <a:schemeClr val="bg1"/>
+              </a:solidFill>
+            </a:endParaRPr>
           </a:p>
         </p:txBody>
       </p:sp>
@@ -3513,55 +3629,89 @@
         </p:nvSpPr>
         <p:spPr/>
         <p:txBody>
-          <a:bodyPr/>
-          <a:lstStyle/>
-          <a:p>
-            <a:r>
-              <a:rPr lang="en-US" dirty="0" smtClean="0"/>
+          <a:bodyPr>
+            <a:noAutofit/>
+          </a:bodyPr>
+          <a:lstStyle/>
+          <a:p>
+            <a:r>
+              <a:rPr lang="en-US" sz="3600" dirty="0" smtClean="0">
+                <a:solidFill>
+                  <a:schemeClr val="bg1"/>
+                </a:solidFill>
+              </a:rPr>
               <a:t>Major GUI elements through Flash</a:t>
             </a:r>
           </a:p>
           <a:p>
             <a:r>
-              <a:rPr lang="en-US" dirty="0" smtClean="0"/>
+              <a:rPr lang="en-US" sz="3600" dirty="0" smtClean="0">
+                <a:solidFill>
+                  <a:schemeClr val="bg1"/>
+                </a:solidFill>
+              </a:rPr>
               <a:t>Choose different types of:</a:t>
             </a:r>
           </a:p>
           <a:p>
             <a:pPr lvl="1"/>
             <a:r>
-              <a:rPr lang="en-US" dirty="0" smtClean="0"/>
+              <a:rPr lang="en-US" sz="3600" dirty="0" smtClean="0">
+                <a:solidFill>
+                  <a:schemeClr val="bg1"/>
+                </a:solidFill>
+              </a:rPr>
               <a:t> trivia</a:t>
             </a:r>
           </a:p>
           <a:p>
             <a:pPr lvl="1"/>
             <a:r>
-              <a:rPr lang="en-US" dirty="0" smtClean="0"/>
+              <a:rPr lang="en-US" sz="3600" dirty="0" smtClean="0">
+                <a:solidFill>
+                  <a:schemeClr val="bg1"/>
+                </a:solidFill>
+              </a:rPr>
               <a:t>Characters</a:t>
             </a:r>
           </a:p>
           <a:p>
             <a:pPr lvl="1"/>
             <a:r>
-              <a:rPr lang="en-US" dirty="0" smtClean="0"/>
+              <a:rPr lang="en-US" sz="3600" dirty="0" smtClean="0">
+                <a:solidFill>
+                  <a:schemeClr val="bg1"/>
+                </a:solidFill>
+              </a:rPr>
               <a:t>Difficulty</a:t>
             </a:r>
           </a:p>
           <a:p>
             <a:r>
-              <a:rPr lang="en-US" dirty="0" smtClean="0"/>
+              <a:rPr lang="en-US" sz="3600" dirty="0" smtClean="0">
+                <a:solidFill>
+                  <a:schemeClr val="bg1"/>
+                </a:solidFill>
+              </a:rPr>
               <a:t>Ability to return to menu screen to play again when game is completed</a:t>
             </a:r>
           </a:p>
           <a:p>
             <a:r>
-              <a:rPr lang="en-US" dirty="0" smtClean="0"/>
+              <a:rPr lang="en-US" sz="3600" dirty="0" smtClean="0">
+                <a:solidFill>
+                  <a:schemeClr val="bg1"/>
+                </a:solidFill>
+              </a:rPr>
               <a:t>Fun sprites, backgrounds and sounds!</a:t>
             </a:r>
           </a:p>
           <a:p>
-            <a:endParaRPr lang="en-US" dirty="0"/>
+            <a:endParaRPr lang="en-US" sz="3600" dirty="0">
+              <a:solidFill>
+                <a:schemeClr val="bg1"/>
+              </a:solidFill>
+            </a:endParaRPr>
           </a:p>
         </p:txBody>
       </p:sp>
@@ -3609,14 +3759,24 @@
         </p:nvSpPr>
         <p:spPr/>
         <p:txBody>
-          <a:bodyPr/>
-          <a:lstStyle/>
-          <a:p>
-            <a:r>
-              <a:rPr lang="en-US" dirty="0" smtClean="0"/>
+          <a:bodyPr>
+            <a:noAutofit/>
+          </a:bodyPr>
+          <a:lstStyle/>
+          <a:p>
+            <a:r>
+              <a:rPr lang="en-US" sz="7200" dirty="0" smtClean="0">
+                <a:solidFill>
+                  <a:schemeClr val="bg1"/>
+                </a:solidFill>
+              </a:rPr>
               <a:t>Our Features</a:t>
             </a:r>
-            <a:endParaRPr lang="en-US" dirty="0"/>
+            <a:endParaRPr lang="en-US" sz="7200" dirty="0">
+              <a:solidFill>
+                <a:schemeClr val="bg1"/>
+              </a:solidFill>
+            </a:endParaRPr>
           </a:p>
         </p:txBody>
       </p:sp>
@@ -3633,167 +3793,259 @@
         <p:spPr/>
         <p:txBody>
           <a:bodyPr>
-            <a:normAutofit fontScale="92500" lnSpcReduction="10000"/>
+            <a:noAutofit/>
           </a:bodyPr>
           <a:lstStyle/>
           <a:p>
             <a:r>
-              <a:rPr lang="en-US" dirty="0" smtClean="0"/>
+              <a:rPr lang="en-US" sz="2800" dirty="0" smtClean="0">
+                <a:solidFill>
+                  <a:schemeClr val="bg1"/>
+                </a:solidFill>
+              </a:rPr>
               <a:t>Organized database for Trivia Questions</a:t>
             </a:r>
           </a:p>
           <a:p>
             <a:r>
-              <a:rPr lang="en-US" dirty="0" smtClean="0"/>
+              <a:rPr lang="en-US" sz="2800" dirty="0" smtClean="0">
+                <a:solidFill>
+                  <a:schemeClr val="bg1"/>
+                </a:solidFill>
+              </a:rPr>
               <a:t>Schema:</a:t>
             </a:r>
           </a:p>
           <a:p>
             <a:pPr lvl="1"/>
             <a:r>
-              <a:rPr lang="en-US" dirty="0" smtClean="0"/>
+              <a:rPr lang="en-US" dirty="0" smtClean="0">
+                <a:solidFill>
+                  <a:schemeClr val="bg1"/>
+                </a:solidFill>
+              </a:rPr>
               <a:t>Question 	(</a:t>
             </a:r>
             <a:r>
-              <a:rPr lang="en-US" dirty="0" err="1" smtClean="0"/>
+              <a:rPr lang="en-US" dirty="0" err="1" smtClean="0">
+                <a:solidFill>
+                  <a:schemeClr val="bg1"/>
+                </a:solidFill>
+              </a:rPr>
               <a:t>varchar</a:t>
             </a:r>
             <a:r>
-              <a:rPr lang="en-US" dirty="0" smtClean="0"/>
+              <a:rPr lang="en-US" dirty="0" smtClean="0">
+                <a:solidFill>
+                  <a:schemeClr val="bg1"/>
+                </a:solidFill>
+              </a:rPr>
               <a:t>) (primary key)</a:t>
             </a:r>
           </a:p>
           <a:p>
             <a:pPr lvl="1"/>
             <a:r>
-              <a:rPr lang="en-US" dirty="0" smtClean="0"/>
-              <a:t>Answer 		(</a:t>
-            </a:r>
-            <a:r>
-              <a:rPr lang="en-US" dirty="0" err="1" smtClean="0"/>
+              <a:rPr lang="en-US" dirty="0" smtClean="0">
+                <a:solidFill>
+                  <a:schemeClr val="bg1"/>
+                </a:solidFill>
+              </a:rPr>
+              <a:t>Answer 	(</a:t>
+            </a:r>
+            <a:r>
+              <a:rPr lang="en-US" dirty="0" err="1" smtClean="0">
+                <a:solidFill>
+                  <a:schemeClr val="bg1"/>
+                </a:solidFill>
+              </a:rPr>
               <a:t>varchar</a:t>
             </a:r>
             <a:r>
-              <a:rPr lang="en-US" dirty="0" smtClean="0"/>
+              <a:rPr lang="en-US" dirty="0" smtClean="0">
+                <a:solidFill>
+                  <a:schemeClr val="bg1"/>
+                </a:solidFill>
+              </a:rPr>
               <a:t>)</a:t>
             </a:r>
           </a:p>
           <a:p>
             <a:pPr lvl="1"/>
             <a:r>
-              <a:rPr lang="en-US" dirty="0" smtClean="0"/>
-              <a:t>A 		</a:t>
-            </a:r>
-            <a:r>
-              <a:rPr lang="en-US" dirty="0" smtClean="0"/>
-              <a:t>(</a:t>
-            </a:r>
-            <a:r>
-              <a:rPr lang="en-US" dirty="0" err="1" smtClean="0"/>
+              <a:rPr lang="en-US" dirty="0" smtClean="0">
+                <a:solidFill>
+                  <a:schemeClr val="bg1"/>
+                </a:solidFill>
+              </a:rPr>
+              <a:t>A 		(</a:t>
+            </a:r>
+            <a:r>
+              <a:rPr lang="en-US" dirty="0" err="1" smtClean="0">
+                <a:solidFill>
+                  <a:schemeClr val="bg1"/>
+                </a:solidFill>
+              </a:rPr>
               <a:t>varchar</a:t>
             </a:r>
             <a:r>
-              <a:rPr lang="en-US" dirty="0" smtClean="0"/>
+              <a:rPr lang="en-US" dirty="0" smtClean="0">
+                <a:solidFill>
+                  <a:schemeClr val="bg1"/>
+                </a:solidFill>
+              </a:rPr>
               <a:t>)</a:t>
             </a:r>
-            <a:endParaRPr lang="en-US" dirty="0" smtClean="0"/>
           </a:p>
           <a:p>
             <a:pPr lvl="1"/>
             <a:r>
-              <a:rPr lang="en-US" dirty="0" smtClean="0"/>
-              <a:t>B 		</a:t>
-            </a:r>
-            <a:r>
-              <a:rPr lang="en-US" dirty="0" smtClean="0"/>
-              <a:t>(</a:t>
-            </a:r>
-            <a:r>
-              <a:rPr lang="en-US" dirty="0" err="1" smtClean="0"/>
+              <a:rPr lang="en-US" dirty="0" smtClean="0">
+                <a:solidFill>
+                  <a:schemeClr val="bg1"/>
+                </a:solidFill>
+              </a:rPr>
+              <a:t>B 		(</a:t>
+            </a:r>
+            <a:r>
+              <a:rPr lang="en-US" dirty="0" err="1" smtClean="0">
+                <a:solidFill>
+                  <a:schemeClr val="bg1"/>
+                </a:solidFill>
+              </a:rPr>
               <a:t>varchar</a:t>
             </a:r>
             <a:r>
-              <a:rPr lang="en-US" dirty="0" smtClean="0"/>
+              <a:rPr lang="en-US" dirty="0" smtClean="0">
+                <a:solidFill>
+                  <a:schemeClr val="bg1"/>
+                </a:solidFill>
+              </a:rPr>
               <a:t>)</a:t>
             </a:r>
-            <a:endParaRPr lang="en-US" dirty="0" smtClean="0"/>
           </a:p>
           <a:p>
             <a:pPr lvl="1"/>
             <a:r>
-              <a:rPr lang="en-US" dirty="0" smtClean="0"/>
-              <a:t>C 		</a:t>
-            </a:r>
-            <a:r>
-              <a:rPr lang="en-US" dirty="0" smtClean="0"/>
-              <a:t>(</a:t>
-            </a:r>
-            <a:r>
-              <a:rPr lang="en-US" dirty="0" err="1" smtClean="0"/>
+              <a:rPr lang="en-US" dirty="0" smtClean="0">
+                <a:solidFill>
+                  <a:schemeClr val="bg1"/>
+                </a:solidFill>
+              </a:rPr>
+              <a:t>C 		(</a:t>
+            </a:r>
+            <a:r>
+              <a:rPr lang="en-US" dirty="0" err="1" smtClean="0">
+                <a:solidFill>
+                  <a:schemeClr val="bg1"/>
+                </a:solidFill>
+              </a:rPr>
               <a:t>varchar</a:t>
             </a:r>
             <a:r>
-              <a:rPr lang="en-US" dirty="0" smtClean="0"/>
+              <a:rPr lang="en-US" dirty="0" smtClean="0">
+                <a:solidFill>
+                  <a:schemeClr val="bg1"/>
+                </a:solidFill>
+              </a:rPr>
               <a:t>)</a:t>
             </a:r>
-            <a:endParaRPr lang="en-US" dirty="0" smtClean="0"/>
           </a:p>
           <a:p>
             <a:pPr lvl="1"/>
             <a:r>
-              <a:rPr lang="en-US" dirty="0" smtClean="0"/>
-              <a:t>D 		</a:t>
-            </a:r>
-            <a:r>
-              <a:rPr lang="en-US" dirty="0" smtClean="0"/>
-              <a:t>(</a:t>
-            </a:r>
-            <a:r>
-              <a:rPr lang="en-US" dirty="0" err="1" smtClean="0"/>
+              <a:rPr lang="en-US" dirty="0" smtClean="0">
+                <a:solidFill>
+                  <a:schemeClr val="bg1"/>
+                </a:solidFill>
+              </a:rPr>
+              <a:t>D 		(</a:t>
+            </a:r>
+            <a:r>
+              <a:rPr lang="en-US" dirty="0" err="1" smtClean="0">
+                <a:solidFill>
+                  <a:schemeClr val="bg1"/>
+                </a:solidFill>
+              </a:rPr>
               <a:t>varchar</a:t>
             </a:r>
             <a:r>
-              <a:rPr lang="en-US" dirty="0" smtClean="0"/>
+              <a:rPr lang="en-US" dirty="0" smtClean="0">
+                <a:solidFill>
+                  <a:schemeClr val="bg1"/>
+                </a:solidFill>
+              </a:rPr>
               <a:t>)</a:t>
             </a:r>
-            <a:endParaRPr lang="en-US" dirty="0" smtClean="0"/>
           </a:p>
           <a:p>
             <a:pPr lvl="1"/>
             <a:r>
-              <a:rPr lang="en-US" dirty="0" smtClean="0"/>
+              <a:rPr lang="en-US" dirty="0" smtClean="0">
+                <a:solidFill>
+                  <a:schemeClr val="bg1"/>
+                </a:solidFill>
+              </a:rPr>
               <a:t>Type 		(</a:t>
             </a:r>
             <a:r>
-              <a:rPr lang="en-US" dirty="0" err="1" smtClean="0"/>
+              <a:rPr lang="en-US" dirty="0" err="1" smtClean="0">
+                <a:solidFill>
+                  <a:schemeClr val="bg1"/>
+                </a:solidFill>
+              </a:rPr>
               <a:t>int</a:t>
             </a:r>
             <a:r>
-              <a:rPr lang="en-US" dirty="0" smtClean="0"/>
+              <a:rPr lang="en-US" dirty="0" smtClean="0">
+                <a:solidFill>
+                  <a:schemeClr val="bg1"/>
+                </a:solidFill>
+              </a:rPr>
               <a:t>)</a:t>
             </a:r>
           </a:p>
           <a:p>
             <a:pPr lvl="1"/>
             <a:r>
-              <a:rPr lang="en-US" dirty="0" smtClean="0"/>
+              <a:rPr lang="en-US" dirty="0" smtClean="0">
+                <a:solidFill>
+                  <a:schemeClr val="bg1"/>
+                </a:solidFill>
+              </a:rPr>
               <a:t>Category 	(</a:t>
             </a:r>
             <a:r>
-              <a:rPr lang="en-US" dirty="0" err="1" smtClean="0"/>
+              <a:rPr lang="en-US" dirty="0" err="1" smtClean="0">
+                <a:solidFill>
+                  <a:schemeClr val="bg1"/>
+                </a:solidFill>
+              </a:rPr>
               <a:t>varchar</a:t>
             </a:r>
             <a:r>
-              <a:rPr lang="en-US" dirty="0" smtClean="0"/>
+              <a:rPr lang="en-US" dirty="0" smtClean="0">
+                <a:solidFill>
+                  <a:schemeClr val="bg1"/>
+                </a:solidFill>
+              </a:rPr>
               <a:t>)</a:t>
             </a:r>
           </a:p>
           <a:p>
             <a:pPr lvl="1"/>
-            <a:endParaRPr lang="en-US" dirty="0" smtClean="0"/>
-          </a:p>
-          <a:p>
-            <a:endParaRPr lang="en-US" dirty="0"/>
+            <a:endParaRPr lang="en-US" dirty="0" smtClean="0">
+              <a:solidFill>
+                <a:schemeClr val="bg1"/>
+              </a:solidFill>
+            </a:endParaRPr>
+          </a:p>
+          <a:p>
+            <a:endParaRPr lang="en-US" sz="2800" dirty="0">
+              <a:solidFill>
+                <a:schemeClr val="bg1"/>
+              </a:solidFill>
+            </a:endParaRPr>
           </a:p>
         </p:txBody>
       </p:sp>
@@ -3839,24 +4091,47 @@
             <p:ph type="title"/>
           </p:nvPr>
         </p:nvSpPr>
-        <p:spPr/>
-        <p:txBody>
-          <a:bodyPr/>
-          <a:lstStyle/>
-          <a:p>
-            <a:r>
-              <a:rPr lang="en-US" dirty="0" smtClean="0"/>
+        <p:spPr>
+          <a:xfrm>
+            <a:off x="457200" y="274638"/>
+            <a:ext cx="8229600" cy="2163762"/>
+          </a:xfrm>
+        </p:spPr>
+        <p:txBody>
+          <a:bodyPr>
+            <a:noAutofit/>
+          </a:bodyPr>
+          <a:lstStyle/>
+          <a:p>
+            <a:r>
+              <a:rPr lang="en-US" sz="7200" dirty="0" smtClean="0">
+                <a:solidFill>
+                  <a:schemeClr val="bg1"/>
+                </a:solidFill>
+              </a:rPr>
               <a:t>Features </a:t>
             </a:r>
             <a:r>
-              <a:rPr lang="en-US" dirty="0"/>
+              <a:rPr lang="en-US" sz="7200" dirty="0">
+                <a:solidFill>
+                  <a:schemeClr val="bg1"/>
+                </a:solidFill>
+              </a:rPr>
               <a:t>N</a:t>
             </a:r>
             <a:r>
-              <a:rPr lang="en-US" dirty="0" smtClean="0"/>
+              <a:rPr lang="en-US" sz="7200" dirty="0" smtClean="0">
+                <a:solidFill>
+                  <a:schemeClr val="bg1"/>
+                </a:solidFill>
+              </a:rPr>
               <a:t>ot Implemented</a:t>
             </a:r>
-            <a:endParaRPr lang="en-US" dirty="0"/>
+            <a:endParaRPr lang="en-US" sz="7200" dirty="0">
+              <a:solidFill>
+                <a:schemeClr val="bg1"/>
+              </a:solidFill>
+            </a:endParaRPr>
           </a:p>
         </p:txBody>
       </p:sp>
@@ -3870,19 +4145,34 @@
             <p:ph idx="1"/>
           </p:nvPr>
         </p:nvSpPr>
-        <p:spPr/>
-        <p:txBody>
-          <a:bodyPr/>
-          <a:lstStyle/>
-          <a:p>
-            <a:r>
-              <a:rPr lang="en-US" dirty="0" smtClean="0"/>
+        <p:spPr>
+          <a:xfrm>
+            <a:off x="533400" y="2971800"/>
+            <a:ext cx="8229600" cy="3687763"/>
+          </a:xfrm>
+        </p:spPr>
+        <p:txBody>
+          <a:bodyPr>
+            <a:normAutofit/>
+          </a:bodyPr>
+          <a:lstStyle/>
+          <a:p>
+            <a:r>
+              <a:rPr lang="en-US" sz="4800" dirty="0" smtClean="0">
+                <a:solidFill>
+                  <a:schemeClr val="bg1"/>
+                </a:solidFill>
+              </a:rPr>
               <a:t>Scores (through database)</a:t>
             </a:r>
           </a:p>
           <a:p>
             <a:r>
-              <a:rPr lang="en-US" dirty="0" smtClean="0"/>
+              <a:rPr lang="en-US" sz="4800" dirty="0" smtClean="0">
+                <a:solidFill>
+                  <a:schemeClr val="bg1"/>
+                </a:solidFill>
+              </a:rPr>
               <a:t>Ability to name player and save high scores</a:t>
             </a:r>
           </a:p>
@@ -3893,6 +4183,13 @@
   <p:clrMapOvr>
     <a:masterClrMapping/>
   </p:clrMapOvr>
+  <p:timing>
+    <p:tnLst>
+      <p:par>
+        <p:cTn id="1" dur="indefinite" restart="never" nodeType="tmRoot"/>
+      </p:par>
+    </p:tnLst>
+  </p:timing>
 </p:sld>
 </file>
 
@@ -3925,14 +4222,24 @@
         </p:nvSpPr>
         <p:spPr/>
         <p:txBody>
-          <a:bodyPr/>
-          <a:lstStyle/>
-          <a:p>
-            <a:r>
-              <a:rPr lang="en-US" dirty="0" smtClean="0"/>
+          <a:bodyPr>
+            <a:noAutofit/>
+          </a:bodyPr>
+          <a:lstStyle/>
+          <a:p>
+            <a:r>
+              <a:rPr lang="en-US" sz="7200" dirty="0" smtClean="0">
+                <a:solidFill>
+                  <a:schemeClr val="bg1"/>
+                </a:solidFill>
+              </a:rPr>
               <a:t>Known Bugs</a:t>
             </a:r>
-            <a:endParaRPr lang="en-US" dirty="0"/>
+            <a:endParaRPr lang="en-US" sz="7200" dirty="0">
+              <a:solidFill>
+                <a:schemeClr val="bg1"/>
+              </a:solidFill>
+            </a:endParaRPr>
           </a:p>
         </p:txBody>
       </p:sp>
@@ -3948,26 +4255,42 @@
         </p:nvSpPr>
         <p:spPr/>
         <p:txBody>
-          <a:bodyPr/>
-          <a:lstStyle/>
-          <a:p>
-            <a:r>
-              <a:rPr lang="en-US" dirty="0" smtClean="0"/>
-              <a:t>Multiple question screens when pressing “X”</a:t>
-            </a:r>
-          </a:p>
-          <a:p>
-            <a:r>
-              <a:rPr lang="en-US" dirty="0" smtClean="0"/>
-              <a:t>Signs tend to not update after answering questions</a:t>
-            </a:r>
-          </a:p>
-          <a:p>
-            <a:r>
-              <a:rPr lang="en-US" dirty="0" smtClean="0"/>
+          <a:bodyPr>
+            <a:noAutofit/>
+          </a:bodyPr>
+          <a:lstStyle/>
+          <a:p>
+            <a:r>
+              <a:rPr lang="en-US" sz="4400" dirty="0" smtClean="0">
+                <a:solidFill>
+                  <a:schemeClr val="bg1"/>
+                </a:solidFill>
+              </a:rPr>
+              <a:t>Signs </a:t>
+            </a:r>
+            <a:r>
+              <a:rPr lang="en-US" sz="4400" dirty="0" smtClean="0">
+                <a:solidFill>
+                  <a:schemeClr val="bg1"/>
+                </a:solidFill>
+              </a:rPr>
+              <a:t>tend to not update after answering questions</a:t>
+            </a:r>
+          </a:p>
+          <a:p>
+            <a:r>
+              <a:rPr lang="en-US" sz="4400" dirty="0" smtClean="0">
+                <a:solidFill>
+                  <a:schemeClr val="bg1"/>
+                </a:solidFill>
+              </a:rPr>
               <a:t>Game stops responding to answer choices when being asked a question</a:t>
             </a:r>
-            <a:endParaRPr lang="en-US" dirty="0"/>
+            <a:endParaRPr lang="en-US" sz="4400" dirty="0">
+              <a:solidFill>
+                <a:schemeClr val="bg1"/>
+              </a:solidFill>
+            </a:endParaRPr>
           </a:p>
         </p:txBody>
       </p:sp>
@@ -3976,6 +4299,13 @@
   <p:clrMapOvr>
     <a:masterClrMapping/>
   </p:clrMapOvr>
+  <p:timing>
+    <p:tnLst>
+      <p:par>
+        <p:cTn id="1" dur="indefinite" restart="never" nodeType="tmRoot"/>
+      </p:par>
+    </p:tnLst>
+  </p:timing>
 </p:sld>
 </file>
 
@@ -4006,16 +4336,151 @@
             <p:ph type="title"/>
           </p:nvPr>
         </p:nvSpPr>
-        <p:spPr/>
-        <p:txBody>
-          <a:bodyPr/>
-          <a:lstStyle/>
-          <a:p>
-            <a:r>
-              <a:rPr lang="en-US" dirty="0" smtClean="0"/>
-              <a:t>Structure</a:t>
-            </a:r>
-            <a:endParaRPr lang="en-US" dirty="0"/>
+        <p:spPr>
+          <a:xfrm>
+            <a:off x="7086600" y="0"/>
+            <a:ext cx="2057400" cy="6858000"/>
+          </a:xfrm>
+        </p:spPr>
+        <p:txBody>
+          <a:bodyPr>
+            <a:normAutofit/>
+          </a:bodyPr>
+          <a:lstStyle/>
+          <a:p>
+            <a:r>
+              <a:rPr lang="en-US" sz="4800" dirty="0" smtClean="0">
+                <a:solidFill>
+                  <a:schemeClr val="bg1"/>
+                </a:solidFill>
+              </a:rPr>
+              <a:t>S</a:t>
+            </a:r>
+            <a:br>
+              <a:rPr lang="en-US" sz="4800" dirty="0" smtClean="0">
+                <a:solidFill>
+                  <a:schemeClr val="bg1"/>
+                </a:solidFill>
+              </a:rPr>
+            </a:br>
+            <a:r>
+              <a:rPr lang="en-US" sz="4800" dirty="0" smtClean="0">
+                <a:solidFill>
+                  <a:schemeClr val="bg1"/>
+                </a:solidFill>
+              </a:rPr>
+              <a:t>t</a:t>
+            </a:r>
+            <a:br>
+              <a:rPr lang="en-US" sz="4800" dirty="0" smtClean="0">
+                <a:solidFill>
+                  <a:schemeClr val="bg1"/>
+                </a:solidFill>
+              </a:rPr>
+            </a:br>
+            <a:r>
+              <a:rPr lang="en-US" sz="4800" dirty="0" smtClean="0">
+                <a:solidFill>
+                  <a:schemeClr val="bg1"/>
+                </a:solidFill>
+              </a:rPr>
+              <a:t>r</a:t>
+            </a:r>
+            <a:br>
+              <a:rPr lang="en-US" sz="4800" dirty="0" smtClean="0">
+                <a:solidFill>
+                  <a:schemeClr val="bg1"/>
+                </a:solidFill>
+              </a:rPr>
+            </a:br>
+            <a:r>
+              <a:rPr lang="en-US" sz="4800" dirty="0" smtClean="0">
+                <a:solidFill>
+                  <a:schemeClr val="bg1"/>
+                </a:solidFill>
+              </a:rPr>
+              <a:t>u</a:t>
+            </a:r>
+            <a:br>
+              <a:rPr lang="en-US" sz="4800" dirty="0" smtClean="0">
+                <a:solidFill>
+                  <a:schemeClr val="bg1"/>
+                </a:solidFill>
+              </a:rPr>
+            </a:br>
+            <a:r>
+              <a:rPr lang="en-US" sz="4800" dirty="0" smtClean="0">
+                <a:solidFill>
+                  <a:schemeClr val="bg1"/>
+                </a:solidFill>
+              </a:rPr>
+              <a:t>c</a:t>
+            </a:r>
+            <a:br>
+              <a:rPr lang="en-US" sz="4800" dirty="0" smtClean="0">
+                <a:solidFill>
+                  <a:schemeClr val="bg1"/>
+                </a:solidFill>
+              </a:rPr>
+            </a:br>
+            <a:r>
+              <a:rPr lang="en-US" sz="4800" dirty="0" smtClean="0">
+                <a:solidFill>
+                  <a:schemeClr val="bg1"/>
+                </a:solidFill>
+              </a:rPr>
+              <a:t>t</a:t>
+            </a:r>
+            <a:br>
+              <a:rPr lang="en-US" sz="4800" dirty="0" smtClean="0">
+                <a:solidFill>
+                  <a:schemeClr val="bg1"/>
+                </a:solidFill>
+              </a:rPr>
+            </a:br>
+            <a:r>
+              <a:rPr lang="en-US" sz="4800" dirty="0" smtClean="0">
+                <a:solidFill>
+                  <a:schemeClr val="bg1"/>
+                </a:solidFill>
+              </a:rPr>
+              <a:t>u</a:t>
+            </a:r>
+            <a:br>
+              <a:rPr lang="en-US" sz="4800" dirty="0" smtClean="0">
+                <a:solidFill>
+                  <a:schemeClr val="bg1"/>
+                </a:solidFill>
+              </a:rPr>
+            </a:br>
+            <a:r>
+              <a:rPr lang="en-US" sz="4800" dirty="0" smtClean="0">
+                <a:solidFill>
+                  <a:schemeClr val="bg1"/>
+                </a:solidFill>
+              </a:rPr>
+              <a:t>r</a:t>
+            </a:r>
+            <a:br>
+              <a:rPr lang="en-US" sz="4800" dirty="0" smtClean="0">
+                <a:solidFill>
+                  <a:schemeClr val="bg1"/>
+                </a:solidFill>
+              </a:rPr>
+            </a:br>
+            <a:r>
+              <a:rPr lang="en-US" sz="4800" dirty="0" smtClean="0">
+                <a:solidFill>
+                  <a:schemeClr val="bg1"/>
+                </a:solidFill>
+              </a:rPr>
+              <a:t>e</a:t>
+            </a:r>
+            <a:endParaRPr lang="en-US" sz="4800" dirty="0">
+              <a:solidFill>
+                <a:schemeClr val="bg1"/>
+              </a:solidFill>
+            </a:endParaRPr>
           </a:p>
         </p:txBody>
       </p:sp>
@@ -4029,20 +4494,22 @@
         </p:nvPicPr>
         <p:blipFill>
           <a:blip r:embed="rId2" cstate="print"/>
-          <a:srcRect/>
           <a:stretch>
             <a:fillRect/>
           </a:stretch>
         </p:blipFill>
         <p:spPr bwMode="auto">
           <a:xfrm>
-            <a:off x="1600200" y="1150179"/>
-            <a:ext cx="5943600" cy="5707821"/>
+            <a:off x="0" y="0"/>
+            <a:ext cx="7118277" cy="6835900"/>
           </a:xfrm>
           <a:prstGeom prst="rect">
             <a:avLst/>
           </a:prstGeom>
           <a:noFill/>
+          <a:ln>
+            <a:noFill/>
+          </a:ln>
         </p:spPr>
       </p:pic>
     </p:spTree>
@@ -4089,14 +4556,24 @@
         </p:nvSpPr>
         <p:spPr/>
         <p:txBody>
-          <a:bodyPr/>
-          <a:lstStyle/>
-          <a:p>
-            <a:r>
-              <a:rPr lang="en-US" dirty="0" err="1" smtClean="0"/>
+          <a:bodyPr>
+            <a:noAutofit/>
+          </a:bodyPr>
+          <a:lstStyle/>
+          <a:p>
+            <a:r>
+              <a:rPr lang="en-US" sz="7200" dirty="0" err="1" smtClean="0">
+                <a:solidFill>
+                  <a:schemeClr val="bg1"/>
+                </a:solidFill>
+              </a:rPr>
               <a:t>Gameplay</a:t>
             </a:r>
-            <a:endParaRPr lang="en-US" dirty="0"/>
+            <a:endParaRPr lang="en-US" sz="7200" dirty="0">
+              <a:solidFill>
+                <a:schemeClr val="bg1"/>
+              </a:solidFill>
+            </a:endParaRPr>
           </a:p>
         </p:txBody>
       </p:sp>
@@ -4261,6 +4738,13 @@
   <p:clrMapOvr>
     <a:masterClrMapping/>
   </p:clrMapOvr>
+  <p:timing>
+    <p:tnLst>
+      <p:par>
+        <p:cTn id="1" dur="indefinite" restart="never" nodeType="tmRoot"/>
+      </p:par>
+    </p:tnLst>
+  </p:timing>
 </p:sld>
 </file>
 
